--- a/2.VersionControl/VersionControl.pptx
+++ b/2.VersionControl/VersionControl.pptx
@@ -24550,7 +24550,7 @@
           <a:p>
             <a:pPr lvl="0"/>
             <a:r>
-              <a:rPr lang="en-US" sz="2000" dirty="0" err="1">
+              <a:rPr lang="en-US" sz="2000" b="1" dirty="0" err="1">
                 <a:solidFill>
                   <a:schemeClr val="tx1"/>
                 </a:solidFill>
@@ -25570,7 +25570,31 @@
                 <a:cs typeface="Roboto"/>
                 <a:sym typeface="Roboto"/>
               </a:rPr>
-              <a:t>формат в котором будуь нумероваться сборки</a:t>
+              <a:t>формат в </a:t>
+            </a:r>
+            <a:r>
+              <a:rPr lang="ru-RU" sz="1800">
+                <a:solidFill>
+                  <a:schemeClr val="tx1"/>
+                </a:solidFill>
+                <a:latin typeface="Roboto"/>
+                <a:ea typeface="Roboto"/>
+                <a:cs typeface="Roboto"/>
+                <a:sym typeface="Roboto"/>
+              </a:rPr>
+              <a:t>котором будут </a:t>
+            </a:r>
+            <a:r>
+              <a:rPr lang="ru-RU" sz="1800" dirty="0">
+                <a:solidFill>
+                  <a:schemeClr val="tx1"/>
+                </a:solidFill>
+                <a:latin typeface="Roboto"/>
+                <a:ea typeface="Roboto"/>
+                <a:cs typeface="Roboto"/>
+                <a:sym typeface="Roboto"/>
+              </a:rPr>
+              <a:t>нумероваться сборки</a:t>
             </a:r>
           </a:p>
           <a:p>
